--- a/projects/SynopGround/images/intro.pptx
+++ b/projects/SynopGround/images/intro.pptx
@@ -3385,10 +3385,10 @@
       </p:cxnSp>
       <p:pic>
         <p:nvPicPr>
-          <p:cNvPr id="7" name="图片 6" descr="表格&#10;&#10;低可信度描述已自动生成">
-            <a:extLst>
-              <a:ext uri="{FF2B5EF4-FFF2-40B4-BE49-F238E27FC236}">
-                <a16:creationId xmlns:a16="http://schemas.microsoft.com/office/drawing/2014/main" id="{10054530-1504-477D-46F0-73FA2F780B25}"/>
+          <p:cNvPr id="4" name="图片 3">
+            <a:extLst>
+              <a:ext uri="{FF2B5EF4-FFF2-40B4-BE49-F238E27FC236}">
+                <a16:creationId xmlns:a16="http://schemas.microsoft.com/office/drawing/2014/main" id="{2E440C37-3503-F0EF-22AC-8462C43718EA}"/>
               </a:ext>
             </a:extLst>
           </p:cNvPr>
@@ -3398,21 +3398,15 @@
           <p:nvPr/>
         </p:nvPicPr>
         <p:blipFill>
-          <a:blip r:embed="rId2">
-            <a:extLst>
-              <a:ext uri="{28A0092B-C50C-407E-A947-70E740481C1C}">
-                <a14:useLocalDpi xmlns:a14="http://schemas.microsoft.com/office/drawing/2010/main" val="0"/>
-              </a:ext>
-            </a:extLst>
-          </a:blip>
+          <a:blip r:embed="rId2"/>
           <a:stretch>
             <a:fillRect/>
           </a:stretch>
         </p:blipFill>
         <p:spPr>
           <a:xfrm>
-            <a:off x="7001353" y="2266918"/>
-            <a:ext cx="3617143" cy="2496000"/>
+            <a:off x="5190460" y="2122581"/>
+            <a:ext cx="6369377" cy="2311519"/>
           </a:xfrm>
           <a:prstGeom prst="rect">
             <a:avLst/>
@@ -3421,10 +3415,10 @@
       </p:pic>
       <p:pic>
         <p:nvPicPr>
-          <p:cNvPr id="5" name="图片 4">
-            <a:extLst>
-              <a:ext uri="{FF2B5EF4-FFF2-40B4-BE49-F238E27FC236}">
-                <a16:creationId xmlns:a16="http://schemas.microsoft.com/office/drawing/2014/main" id="{7CB80860-0D8D-0CB8-BEC1-318CE01D6F2D}"/>
+          <p:cNvPr id="8" name="图片 7">
+            <a:extLst>
+              <a:ext uri="{FF2B5EF4-FFF2-40B4-BE49-F238E27FC236}">
+                <a16:creationId xmlns:a16="http://schemas.microsoft.com/office/drawing/2014/main" id="{E8434771-B3E6-1C6C-0BA6-7E1AB641B88D}"/>
               </a:ext>
             </a:extLst>
           </p:cNvPr>
@@ -3441,8 +3435,8 @@
         </p:blipFill>
         <p:spPr>
           <a:xfrm>
-            <a:off x="886592" y="2398873"/>
-            <a:ext cx="5532721" cy="2047980"/>
+            <a:off x="735806" y="2056217"/>
+            <a:ext cx="4160734" cy="2802717"/>
           </a:xfrm>
           <a:prstGeom prst="rect">
             <a:avLst/>
